--- a/ENSApresentation_branded.pptx
+++ b/ENSApresentation_branded.pptx
@@ -4066,7 +4066,7 @@
       </p:sp>
       <p:graphicFrame xmlns:a="http://schemas.openxmlformats.org/drawingml/2006/main" xmlns:r="http://schemas.openxmlformats.org/officeDocument/2006/relationships" xmlns:p="http://schemas.openxmlformats.org/presentationml/2006/main">
         <p:nvGraphicFramePr>
-          <p:cNvPr id="282019485" name=""/>
+          <p:cNvPr id="261312884" name=""/>
           <p:cNvGraphicFramePr>
             <a:graphicFrameLocks noGrp="true"/>
           </p:cNvGraphicFramePr>
@@ -4086,7 +4086,7 @@
                 <a:gridCol w="882056"/>
                 <a:gridCol w="936490"/>
               </a:tblGrid>
-              <a:tr h="287345">
+              <a:tr h="388945">
                 <a:tc>
                   <a:txBody>
                     <a:bodyPr/>
@@ -4097,22 +4097,24 @@
                           <a:spcPct val="100000"/>
                         </a:lnSpc>
                         <a:spcBef>
-                          <a:spcPts val="200"/>
+                          <a:spcPts val="500"/>
                         </a:spcBef>
                         <a:spcAft>
-                          <a:spcPts val="200"/>
+                          <a:spcPts val="500"/>
                         </a:spcAft>
                         <a:buNone/>
                       </a:pPr>
                       <a:r>
                         <a:rPr sz="1100">
                           <a:solidFill>
-                            <a:srgbClr val="111111">
+                            <a:srgbClr val="000000">
                               <a:alpha val="100000"/>
                             </a:srgbClr>
                           </a:solidFill>
                           <a:latin typeface="Arial"/>
                           <a:cs typeface="Arial"/>
+                          <a:ea typeface="Arial"/>
+                          <a:sym typeface="Arial"/>
                         </a:rPr>
                         <a:t>adm1_name</a:t>
                       </a:r>
@@ -4137,7 +4139,7 @@
                     </a:lnR>
                     <a:lnT w="25400" cmpd="sng" algn="ctr" cap="flat">
                       <a:solidFill>
-                        <a:srgbClr val="000000">
+                        <a:srgbClr val="666666">
                           <a:alpha val="100000"/>
                         </a:srgbClr>
                       </a:solidFill>
@@ -4145,7 +4147,7 @@
                     </a:lnT>
                     <a:lnB w="25400" cmpd="sng" algn="ctr" cap="flat">
                       <a:solidFill>
-                        <a:srgbClr val="000000">
+                        <a:srgbClr val="666666">
                           <a:alpha val="100000"/>
                         </a:srgbClr>
                       </a:solidFill>
@@ -4163,22 +4165,24 @@
                           <a:spcPct val="100000"/>
                         </a:lnSpc>
                         <a:spcBef>
-                          <a:spcPts val="200"/>
+                          <a:spcPts val="500"/>
                         </a:spcBef>
                         <a:spcAft>
-                          <a:spcPts val="200"/>
+                          <a:spcPts val="500"/>
                         </a:spcAft>
                         <a:buNone/>
                       </a:pPr>
                       <a:r>
                         <a:rPr sz="1100">
                           <a:solidFill>
-                            <a:srgbClr val="111111">
+                            <a:srgbClr val="000000">
                               <a:alpha val="100000"/>
                             </a:srgbClr>
                           </a:solidFill>
                           <a:latin typeface="Arial"/>
                           <a:cs typeface="Arial"/>
+                          <a:ea typeface="Arial"/>
+                          <a:sym typeface="Arial"/>
                         </a:rPr>
                         <a:t>poor</a:t>
                       </a:r>
@@ -4203,7 +4207,7 @@
                     </a:lnR>
                     <a:lnT w="25400" cmpd="sng" algn="ctr" cap="flat">
                       <a:solidFill>
-                        <a:srgbClr val="000000">
+                        <a:srgbClr val="666666">
                           <a:alpha val="100000"/>
                         </a:srgbClr>
                       </a:solidFill>
@@ -4211,7 +4215,7 @@
                     </a:lnT>
                     <a:lnB w="25400" cmpd="sng" algn="ctr" cap="flat">
                       <a:solidFill>
-                        <a:srgbClr val="000000">
+                        <a:srgbClr val="666666">
                           <a:alpha val="100000"/>
                         </a:srgbClr>
                       </a:solidFill>
@@ -4229,22 +4233,24 @@
                           <a:spcPct val="100000"/>
                         </a:lnSpc>
                         <a:spcBef>
-                          <a:spcPts val="200"/>
+                          <a:spcPts val="500"/>
                         </a:spcBef>
                         <a:spcAft>
-                          <a:spcPts val="200"/>
+                          <a:spcPts val="500"/>
                         </a:spcAft>
                         <a:buNone/>
                       </a:pPr>
                       <a:r>
                         <a:rPr sz="1100">
                           <a:solidFill>
-                            <a:srgbClr val="111111">
+                            <a:srgbClr val="000000">
                               <a:alpha val="100000"/>
                             </a:srgbClr>
                           </a:solidFill>
                           <a:latin typeface="Arial"/>
                           <a:cs typeface="Arial"/>
+                          <a:ea typeface="Arial"/>
+                          <a:sym typeface="Arial"/>
                         </a:rPr>
                         <a:t>borderline</a:t>
                       </a:r>
@@ -4269,7 +4275,7 @@
                     </a:lnR>
                     <a:lnT w="25400" cmpd="sng" algn="ctr" cap="flat">
                       <a:solidFill>
-                        <a:srgbClr val="000000">
+                        <a:srgbClr val="666666">
                           <a:alpha val="100000"/>
                         </a:srgbClr>
                       </a:solidFill>
@@ -4277,7 +4283,7 @@
                     </a:lnT>
                     <a:lnB w="25400" cmpd="sng" algn="ctr" cap="flat">
                       <a:solidFill>
-                        <a:srgbClr val="000000">
+                        <a:srgbClr val="666666">
                           <a:alpha val="100000"/>
                         </a:srgbClr>
                       </a:solidFill>
@@ -4295,22 +4301,24 @@
                           <a:spcPct val="100000"/>
                         </a:lnSpc>
                         <a:spcBef>
-                          <a:spcPts val="200"/>
+                          <a:spcPts val="500"/>
                         </a:spcBef>
                         <a:spcAft>
-                          <a:spcPts val="200"/>
+                          <a:spcPts val="500"/>
                         </a:spcAft>
                         <a:buNone/>
                       </a:pPr>
                       <a:r>
                         <a:rPr sz="1100">
                           <a:solidFill>
-                            <a:srgbClr val="111111">
+                            <a:srgbClr val="000000">
                               <a:alpha val="100000"/>
                             </a:srgbClr>
                           </a:solidFill>
                           <a:latin typeface="Arial"/>
                           <a:cs typeface="Arial"/>
+                          <a:ea typeface="Arial"/>
+                          <a:sym typeface="Arial"/>
                         </a:rPr>
                         <a:t>acceptable</a:t>
                       </a:r>
@@ -4335,7 +4343,7 @@
                     </a:lnR>
                     <a:lnT w="25400" cmpd="sng" algn="ctr" cap="flat">
                       <a:solidFill>
-                        <a:srgbClr val="000000">
+                        <a:srgbClr val="666666">
                           <a:alpha val="100000"/>
                         </a:srgbClr>
                       </a:solidFill>
@@ -4343,7 +4351,7 @@
                     </a:lnT>
                     <a:lnB w="25400" cmpd="sng" algn="ctr" cap="flat">
                       <a:solidFill>
-                        <a:srgbClr val="000000">
+                        <a:srgbClr val="666666">
                           <a:alpha val="100000"/>
                         </a:srgbClr>
                       </a:solidFill>
@@ -4352,7 +4360,7 @@
                   </a:tcPr>
                 </a:tc>
               </a:tr>
-              <a:tr h="262652">
+              <a:tr h="364252">
                 <a:tc>
                   <a:txBody>
                     <a:bodyPr/>
@@ -4363,22 +4371,24 @@
                           <a:spcPct val="100000"/>
                         </a:lnSpc>
                         <a:spcBef>
-                          <a:spcPts val="200"/>
+                          <a:spcPts val="500"/>
                         </a:spcBef>
                         <a:spcAft>
-                          <a:spcPts val="200"/>
+                          <a:spcPts val="500"/>
                         </a:spcAft>
                         <a:buNone/>
                       </a:pPr>
                       <a:r>
                         <a:rPr sz="1100">
                           <a:solidFill>
-                            <a:srgbClr val="111111">
+                            <a:srgbClr val="000000">
                               <a:alpha val="100000"/>
                             </a:srgbClr>
                           </a:solidFill>
                           <a:latin typeface="Arial"/>
                           <a:cs typeface="Arial"/>
+                          <a:ea typeface="Arial"/>
+                          <a:sym typeface="Arial"/>
                         </a:rPr>
                         <a:t>Ombella M’Poko</a:t>
                       </a:r>
@@ -4429,22 +4439,24 @@
                           <a:spcPct val="100000"/>
                         </a:lnSpc>
                         <a:spcBef>
-                          <a:spcPts val="200"/>
+                          <a:spcPts val="500"/>
                         </a:spcBef>
                         <a:spcAft>
-                          <a:spcPts val="200"/>
+                          <a:spcPts val="500"/>
                         </a:spcAft>
                         <a:buNone/>
                       </a:pPr>
                       <a:r>
                         <a:rPr sz="1100">
                           <a:solidFill>
-                            <a:srgbClr val="111111">
+                            <a:srgbClr val="000000">
                               <a:alpha val="100000"/>
                             </a:srgbClr>
                           </a:solidFill>
                           <a:latin typeface="Arial"/>
                           <a:cs typeface="Arial"/>
+                          <a:ea typeface="Arial"/>
+                          <a:sym typeface="Arial"/>
                         </a:rPr>
                         <a:t>14.7</a:t>
                       </a:r>
@@ -4495,22 +4507,24 @@
                           <a:spcPct val="100000"/>
                         </a:lnSpc>
                         <a:spcBef>
-                          <a:spcPts val="200"/>
+                          <a:spcPts val="500"/>
                         </a:spcBef>
                         <a:spcAft>
-                          <a:spcPts val="200"/>
+                          <a:spcPts val="500"/>
                         </a:spcAft>
                         <a:buNone/>
                       </a:pPr>
                       <a:r>
                         <a:rPr sz="1100">
                           <a:solidFill>
-                            <a:srgbClr val="111111">
+                            <a:srgbClr val="000000">
                               <a:alpha val="100000"/>
                             </a:srgbClr>
                           </a:solidFill>
                           <a:latin typeface="Arial"/>
                           <a:cs typeface="Arial"/>
+                          <a:ea typeface="Arial"/>
+                          <a:sym typeface="Arial"/>
                         </a:rPr>
                         <a:t>58.1</a:t>
                       </a:r>
@@ -4561,22 +4575,24 @@
                           <a:spcPct val="100000"/>
                         </a:lnSpc>
                         <a:spcBef>
-                          <a:spcPts val="200"/>
+                          <a:spcPts val="500"/>
                         </a:spcBef>
                         <a:spcAft>
-                          <a:spcPts val="200"/>
+                          <a:spcPts val="500"/>
                         </a:spcAft>
                         <a:buNone/>
                       </a:pPr>
                       <a:r>
                         <a:rPr sz="1100">
                           <a:solidFill>
-                            <a:srgbClr val="111111">
+                            <a:srgbClr val="000000">
                               <a:alpha val="100000"/>
                             </a:srgbClr>
                           </a:solidFill>
                           <a:latin typeface="Arial"/>
                           <a:cs typeface="Arial"/>
+                          <a:ea typeface="Arial"/>
+                          <a:sym typeface="Arial"/>
                         </a:rPr>
                         <a:t>27.2</a:t>
                       </a:r>
@@ -4618,7 +4634,7 @@
                   </a:tcPr>
                 </a:tc>
               </a:tr>
-              <a:tr h="288573">
+              <a:tr h="390173">
                 <a:tc>
                   <a:txBody>
                     <a:bodyPr/>
@@ -4629,22 +4645,24 @@
                           <a:spcPct val="100000"/>
                         </a:lnSpc>
                         <a:spcBef>
-                          <a:spcPts val="200"/>
+                          <a:spcPts val="500"/>
                         </a:spcBef>
                         <a:spcAft>
-                          <a:spcPts val="200"/>
+                          <a:spcPts val="500"/>
                         </a:spcAft>
                         <a:buNone/>
                       </a:pPr>
                       <a:r>
                         <a:rPr sz="1100">
                           <a:solidFill>
-                            <a:srgbClr val="111111">
+                            <a:srgbClr val="000000">
                               <a:alpha val="100000"/>
                             </a:srgbClr>
                           </a:solidFill>
                           <a:latin typeface="Arial"/>
                           <a:cs typeface="Arial"/>
+                          <a:ea typeface="Arial"/>
+                          <a:sym typeface="Arial"/>
                         </a:rPr>
                         <a:t>Lobaye</a:t>
                       </a:r>
@@ -4695,22 +4713,24 @@
                           <a:spcPct val="100000"/>
                         </a:lnSpc>
                         <a:spcBef>
-                          <a:spcPts val="200"/>
+                          <a:spcPts val="500"/>
                         </a:spcBef>
                         <a:spcAft>
-                          <a:spcPts val="200"/>
+                          <a:spcPts val="500"/>
                         </a:spcAft>
                         <a:buNone/>
                       </a:pPr>
                       <a:r>
                         <a:rPr sz="1100">
                           <a:solidFill>
-                            <a:srgbClr val="111111">
+                            <a:srgbClr val="000000">
                               <a:alpha val="100000"/>
                             </a:srgbClr>
                           </a:solidFill>
                           <a:latin typeface="Arial"/>
                           <a:cs typeface="Arial"/>
+                          <a:ea typeface="Arial"/>
+                          <a:sym typeface="Arial"/>
                         </a:rPr>
                         <a:t>12.9</a:t>
                       </a:r>
@@ -4761,22 +4781,24 @@
                           <a:spcPct val="100000"/>
                         </a:lnSpc>
                         <a:spcBef>
-                          <a:spcPts val="200"/>
+                          <a:spcPts val="500"/>
                         </a:spcBef>
                         <a:spcAft>
-                          <a:spcPts val="200"/>
+                          <a:spcPts val="500"/>
                         </a:spcAft>
                         <a:buNone/>
                       </a:pPr>
                       <a:r>
                         <a:rPr sz="1100">
                           <a:solidFill>
-                            <a:srgbClr val="111111">
+                            <a:srgbClr val="000000">
                               <a:alpha val="100000"/>
                             </a:srgbClr>
                           </a:solidFill>
                           <a:latin typeface="Arial"/>
                           <a:cs typeface="Arial"/>
+                          <a:ea typeface="Arial"/>
+                          <a:sym typeface="Arial"/>
                         </a:rPr>
                         <a:t>38.6</a:t>
                       </a:r>
@@ -4827,22 +4849,24 @@
                           <a:spcPct val="100000"/>
                         </a:lnSpc>
                         <a:spcBef>
-                          <a:spcPts val="200"/>
+                          <a:spcPts val="500"/>
                         </a:spcBef>
                         <a:spcAft>
-                          <a:spcPts val="200"/>
+                          <a:spcPts val="500"/>
                         </a:spcAft>
                         <a:buNone/>
                       </a:pPr>
                       <a:r>
                         <a:rPr sz="1100">
                           <a:solidFill>
-                            <a:srgbClr val="111111">
+                            <a:srgbClr val="000000">
                               <a:alpha val="100000"/>
                             </a:srgbClr>
                           </a:solidFill>
                           <a:latin typeface="Arial"/>
                           <a:cs typeface="Arial"/>
+                          <a:ea typeface="Arial"/>
+                          <a:sym typeface="Arial"/>
                         </a:rPr>
                         <a:t>48.5</a:t>
                       </a:r>
@@ -4884,7 +4908,7 @@
                   </a:tcPr>
                 </a:tc>
               </a:tr>
-              <a:tr h="290279">
+              <a:tr h="391879">
                 <a:tc>
                   <a:txBody>
                     <a:bodyPr/>
@@ -4895,22 +4919,24 @@
                           <a:spcPct val="100000"/>
                         </a:lnSpc>
                         <a:spcBef>
-                          <a:spcPts val="200"/>
+                          <a:spcPts val="500"/>
                         </a:spcBef>
                         <a:spcAft>
-                          <a:spcPts val="200"/>
+                          <a:spcPts val="500"/>
                         </a:spcAft>
                         <a:buNone/>
                       </a:pPr>
                       <a:r>
                         <a:rPr sz="1100">
                           <a:solidFill>
-                            <a:srgbClr val="111111">
+                            <a:srgbClr val="000000">
                               <a:alpha val="100000"/>
                             </a:srgbClr>
                           </a:solidFill>
                           <a:latin typeface="Arial"/>
                           <a:cs typeface="Arial"/>
+                          <a:ea typeface="Arial"/>
+                          <a:sym typeface="Arial"/>
                         </a:rPr>
                         <a:t>Sangha-Mbaeré</a:t>
                       </a:r>
@@ -4961,22 +4987,24 @@
                           <a:spcPct val="100000"/>
                         </a:lnSpc>
                         <a:spcBef>
-                          <a:spcPts val="200"/>
+                          <a:spcPts val="500"/>
                         </a:spcBef>
                         <a:spcAft>
-                          <a:spcPts val="200"/>
+                          <a:spcPts val="500"/>
                         </a:spcAft>
                         <a:buNone/>
                       </a:pPr>
                       <a:r>
                         <a:rPr sz="1100">
                           <a:solidFill>
-                            <a:srgbClr val="111111">
+                            <a:srgbClr val="000000">
                               <a:alpha val="100000"/>
                             </a:srgbClr>
                           </a:solidFill>
                           <a:latin typeface="Arial"/>
                           <a:cs typeface="Arial"/>
+                          <a:ea typeface="Arial"/>
+                          <a:sym typeface="Arial"/>
                         </a:rPr>
                         <a:t>9.4</a:t>
                       </a:r>
@@ -5027,22 +5055,24 @@
                           <a:spcPct val="100000"/>
                         </a:lnSpc>
                         <a:spcBef>
-                          <a:spcPts val="200"/>
+                          <a:spcPts val="500"/>
                         </a:spcBef>
                         <a:spcAft>
-                          <a:spcPts val="200"/>
+                          <a:spcPts val="500"/>
                         </a:spcAft>
                         <a:buNone/>
                       </a:pPr>
                       <a:r>
                         <a:rPr sz="1100">
                           <a:solidFill>
-                            <a:srgbClr val="111111">
+                            <a:srgbClr val="000000">
                               <a:alpha val="100000"/>
                             </a:srgbClr>
                           </a:solidFill>
                           <a:latin typeface="Arial"/>
                           <a:cs typeface="Arial"/>
+                          <a:ea typeface="Arial"/>
+                          <a:sym typeface="Arial"/>
                         </a:rPr>
                         <a:t>31.1</a:t>
                       </a:r>
@@ -5093,22 +5123,24 @@
                           <a:spcPct val="100000"/>
                         </a:lnSpc>
                         <a:spcBef>
-                          <a:spcPts val="200"/>
+                          <a:spcPts val="500"/>
                         </a:spcBef>
                         <a:spcAft>
-                          <a:spcPts val="200"/>
+                          <a:spcPts val="500"/>
                         </a:spcAft>
                         <a:buNone/>
                       </a:pPr>
                       <a:r>
                         <a:rPr sz="1100">
                           <a:solidFill>
-                            <a:srgbClr val="111111">
+                            <a:srgbClr val="000000">
                               <a:alpha val="100000"/>
                             </a:srgbClr>
                           </a:solidFill>
                           <a:latin typeface="Arial"/>
                           <a:cs typeface="Arial"/>
+                          <a:ea typeface="Arial"/>
+                          <a:sym typeface="Arial"/>
                         </a:rPr>
                         <a:t>59.4</a:t>
                       </a:r>
@@ -5150,7 +5182,7 @@
                   </a:tcPr>
                 </a:tc>
               </a:tr>
-              <a:tr h="261356">
+              <a:tr h="362956">
                 <a:tc>
                   <a:txBody>
                     <a:bodyPr/>
@@ -5161,22 +5193,24 @@
                           <a:spcPct val="100000"/>
                         </a:lnSpc>
                         <a:spcBef>
-                          <a:spcPts val="200"/>
+                          <a:spcPts val="500"/>
                         </a:spcBef>
                         <a:spcAft>
-                          <a:spcPts val="200"/>
+                          <a:spcPts val="500"/>
                         </a:spcAft>
                         <a:buNone/>
                       </a:pPr>
                       <a:r>
                         <a:rPr sz="1100">
                           <a:solidFill>
-                            <a:srgbClr val="111111">
+                            <a:srgbClr val="000000">
                               <a:alpha val="100000"/>
                             </a:srgbClr>
                           </a:solidFill>
                           <a:latin typeface="Arial"/>
                           <a:cs typeface="Arial"/>
+                          <a:ea typeface="Arial"/>
+                          <a:sym typeface="Arial"/>
                         </a:rPr>
                         <a:t>Mambéré Kadéi</a:t>
                       </a:r>
@@ -5227,22 +5261,24 @@
                           <a:spcPct val="100000"/>
                         </a:lnSpc>
                         <a:spcBef>
-                          <a:spcPts val="200"/>
+                          <a:spcPts val="500"/>
                         </a:spcBef>
                         <a:spcAft>
-                          <a:spcPts val="200"/>
+                          <a:spcPts val="500"/>
                         </a:spcAft>
                         <a:buNone/>
                       </a:pPr>
                       <a:r>
                         <a:rPr sz="1100">
                           <a:solidFill>
-                            <a:srgbClr val="111111">
+                            <a:srgbClr val="000000">
                               <a:alpha val="100000"/>
                             </a:srgbClr>
                           </a:solidFill>
                           <a:latin typeface="Arial"/>
                           <a:cs typeface="Arial"/>
+                          <a:ea typeface="Arial"/>
+                          <a:sym typeface="Arial"/>
                         </a:rPr>
                         <a:t>15.8</a:t>
                       </a:r>
@@ -5293,22 +5329,24 @@
                           <a:spcPct val="100000"/>
                         </a:lnSpc>
                         <a:spcBef>
-                          <a:spcPts val="200"/>
+                          <a:spcPts val="500"/>
                         </a:spcBef>
                         <a:spcAft>
-                          <a:spcPts val="200"/>
+                          <a:spcPts val="500"/>
                         </a:spcAft>
                         <a:buNone/>
                       </a:pPr>
                       <a:r>
                         <a:rPr sz="1100">
                           <a:solidFill>
-                            <a:srgbClr val="111111">
+                            <a:srgbClr val="000000">
                               <a:alpha val="100000"/>
                             </a:srgbClr>
                           </a:solidFill>
                           <a:latin typeface="Arial"/>
                           <a:cs typeface="Arial"/>
+                          <a:ea typeface="Arial"/>
+                          <a:sym typeface="Arial"/>
                         </a:rPr>
                         <a:t>39.9</a:t>
                       </a:r>
@@ -5359,22 +5397,24 @@
                           <a:spcPct val="100000"/>
                         </a:lnSpc>
                         <a:spcBef>
-                          <a:spcPts val="200"/>
+                          <a:spcPts val="500"/>
                         </a:spcBef>
                         <a:spcAft>
-                          <a:spcPts val="200"/>
+                          <a:spcPts val="500"/>
                         </a:spcAft>
                         <a:buNone/>
                       </a:pPr>
                       <a:r>
                         <a:rPr sz="1100">
                           <a:solidFill>
-                            <a:srgbClr val="111111">
+                            <a:srgbClr val="000000">
                               <a:alpha val="100000"/>
                             </a:srgbClr>
                           </a:solidFill>
                           <a:latin typeface="Arial"/>
                           <a:cs typeface="Arial"/>
+                          <a:ea typeface="Arial"/>
+                          <a:sym typeface="Arial"/>
                         </a:rPr>
                         <a:t>44.3</a:t>
                       </a:r>
@@ -5416,7 +5456,7 @@
                   </a:tcPr>
                 </a:tc>
               </a:tr>
-              <a:tr h="261356">
+              <a:tr h="362956">
                 <a:tc>
                   <a:txBody>
                     <a:bodyPr/>
@@ -5427,22 +5467,24 @@
                           <a:spcPct val="100000"/>
                         </a:lnSpc>
                         <a:spcBef>
-                          <a:spcPts val="200"/>
+                          <a:spcPts val="500"/>
                         </a:spcBef>
                         <a:spcAft>
-                          <a:spcPts val="200"/>
+                          <a:spcPts val="500"/>
                         </a:spcAft>
                         <a:buNone/>
                       </a:pPr>
                       <a:r>
                         <a:rPr sz="1100">
                           <a:solidFill>
-                            <a:srgbClr val="111111">
+                            <a:srgbClr val="000000">
                               <a:alpha val="100000"/>
                             </a:srgbClr>
                           </a:solidFill>
                           <a:latin typeface="Arial"/>
                           <a:cs typeface="Arial"/>
+                          <a:ea typeface="Arial"/>
+                          <a:sym typeface="Arial"/>
                         </a:rPr>
                         <a:t>Nana Mambéré</a:t>
                       </a:r>
@@ -5493,22 +5535,24 @@
                           <a:spcPct val="100000"/>
                         </a:lnSpc>
                         <a:spcBef>
-                          <a:spcPts val="200"/>
+                          <a:spcPts val="500"/>
                         </a:spcBef>
                         <a:spcAft>
-                          <a:spcPts val="200"/>
+                          <a:spcPts val="500"/>
                         </a:spcAft>
                         <a:buNone/>
                       </a:pPr>
                       <a:r>
                         <a:rPr sz="1100">
                           <a:solidFill>
-                            <a:srgbClr val="111111">
+                            <a:srgbClr val="000000">
                               <a:alpha val="100000"/>
                             </a:srgbClr>
                           </a:solidFill>
                           <a:latin typeface="Arial"/>
                           <a:cs typeface="Arial"/>
+                          <a:ea typeface="Arial"/>
+                          <a:sym typeface="Arial"/>
                         </a:rPr>
                         <a:t>6.4</a:t>
                       </a:r>
@@ -5559,22 +5603,24 @@
                           <a:spcPct val="100000"/>
                         </a:lnSpc>
                         <a:spcBef>
-                          <a:spcPts val="200"/>
+                          <a:spcPts val="500"/>
                         </a:spcBef>
                         <a:spcAft>
-                          <a:spcPts val="200"/>
+                          <a:spcPts val="500"/>
                         </a:spcAft>
                         <a:buNone/>
                       </a:pPr>
                       <a:r>
                         <a:rPr sz="1100">
                           <a:solidFill>
-                            <a:srgbClr val="111111">
+                            <a:srgbClr val="000000">
                               <a:alpha val="100000"/>
                             </a:srgbClr>
                           </a:solidFill>
                           <a:latin typeface="Arial"/>
                           <a:cs typeface="Arial"/>
+                          <a:ea typeface="Arial"/>
+                          <a:sym typeface="Arial"/>
                         </a:rPr>
                         <a:t>25.1</a:t>
                       </a:r>
@@ -5625,22 +5671,24 @@
                           <a:spcPct val="100000"/>
                         </a:lnSpc>
                         <a:spcBef>
-                          <a:spcPts val="200"/>
+                          <a:spcPts val="500"/>
                         </a:spcBef>
                         <a:spcAft>
-                          <a:spcPts val="200"/>
+                          <a:spcPts val="500"/>
                         </a:spcAft>
                         <a:buNone/>
                       </a:pPr>
                       <a:r>
                         <a:rPr sz="1100">
                           <a:solidFill>
-                            <a:srgbClr val="111111">
+                            <a:srgbClr val="000000">
                               <a:alpha val="100000"/>
                             </a:srgbClr>
                           </a:solidFill>
                           <a:latin typeface="Arial"/>
                           <a:cs typeface="Arial"/>
+                          <a:ea typeface="Arial"/>
+                          <a:sym typeface="Arial"/>
                         </a:rPr>
                         <a:t>68.5</a:t>
                       </a:r>
@@ -5682,7 +5730,7 @@
                   </a:tcPr>
                 </a:tc>
               </a:tr>
-              <a:tr h="262652">
+              <a:tr h="364252">
                 <a:tc>
                   <a:txBody>
                     <a:bodyPr/>
@@ -5693,22 +5741,24 @@
                           <a:spcPct val="100000"/>
                         </a:lnSpc>
                         <a:spcBef>
-                          <a:spcPts val="200"/>
+                          <a:spcPts val="500"/>
                         </a:spcBef>
                         <a:spcAft>
-                          <a:spcPts val="200"/>
+                          <a:spcPts val="500"/>
                         </a:spcAft>
                         <a:buNone/>
                       </a:pPr>
                       <a:r>
                         <a:rPr sz="1100">
                           <a:solidFill>
-                            <a:srgbClr val="111111">
+                            <a:srgbClr val="000000">
                               <a:alpha val="100000"/>
                             </a:srgbClr>
                           </a:solidFill>
                           <a:latin typeface="Arial"/>
                           <a:cs typeface="Arial"/>
+                          <a:ea typeface="Arial"/>
+                          <a:sym typeface="Arial"/>
                         </a:rPr>
                         <a:t>Ouham</a:t>
                       </a:r>
@@ -5759,22 +5809,24 @@
                           <a:spcPct val="100000"/>
                         </a:lnSpc>
                         <a:spcBef>
-                          <a:spcPts val="200"/>
+                          <a:spcPts val="500"/>
                         </a:spcBef>
                         <a:spcAft>
-                          <a:spcPts val="200"/>
+                          <a:spcPts val="500"/>
                         </a:spcAft>
                         <a:buNone/>
                       </a:pPr>
                       <a:r>
                         <a:rPr sz="1100">
                           <a:solidFill>
-                            <a:srgbClr val="111111">
+                            <a:srgbClr val="000000">
                               <a:alpha val="100000"/>
                             </a:srgbClr>
                           </a:solidFill>
                           <a:latin typeface="Arial"/>
                           <a:cs typeface="Arial"/>
+                          <a:ea typeface="Arial"/>
+                          <a:sym typeface="Arial"/>
                         </a:rPr>
                         <a:t>7.6</a:t>
                       </a:r>
@@ -5825,22 +5877,24 @@
                           <a:spcPct val="100000"/>
                         </a:lnSpc>
                         <a:spcBef>
-                          <a:spcPts val="200"/>
+                          <a:spcPts val="500"/>
                         </a:spcBef>
                         <a:spcAft>
-                          <a:spcPts val="200"/>
+                          <a:spcPts val="500"/>
                         </a:spcAft>
                         <a:buNone/>
                       </a:pPr>
                       <a:r>
                         <a:rPr sz="1100">
                           <a:solidFill>
-                            <a:srgbClr val="111111">
+                            <a:srgbClr val="000000">
                               <a:alpha val="100000"/>
                             </a:srgbClr>
                           </a:solidFill>
                           <a:latin typeface="Arial"/>
                           <a:cs typeface="Arial"/>
+                          <a:ea typeface="Arial"/>
+                          <a:sym typeface="Arial"/>
                         </a:rPr>
                         <a:t>35.9</a:t>
                       </a:r>
@@ -5891,22 +5945,24 @@
                           <a:spcPct val="100000"/>
                         </a:lnSpc>
                         <a:spcBef>
-                          <a:spcPts val="200"/>
+                          <a:spcPts val="500"/>
                         </a:spcBef>
                         <a:spcAft>
-                          <a:spcPts val="200"/>
+                          <a:spcPts val="500"/>
                         </a:spcAft>
                         <a:buNone/>
                       </a:pPr>
                       <a:r>
                         <a:rPr sz="1100">
                           <a:solidFill>
-                            <a:srgbClr val="111111">
+                            <a:srgbClr val="000000">
                               <a:alpha val="100000"/>
                             </a:srgbClr>
                           </a:solidFill>
                           <a:latin typeface="Arial"/>
                           <a:cs typeface="Arial"/>
+                          <a:ea typeface="Arial"/>
+                          <a:sym typeface="Arial"/>
                         </a:rPr>
                         <a:t>56.5</a:t>
                       </a:r>
@@ -5948,7 +6004,7 @@
                   </a:tcPr>
                 </a:tc>
               </a:tr>
-              <a:tr h="262652">
+              <a:tr h="364252">
                 <a:tc>
                   <a:txBody>
                     <a:bodyPr/>
@@ -5959,22 +6015,24 @@
                           <a:spcPct val="100000"/>
                         </a:lnSpc>
                         <a:spcBef>
-                          <a:spcPts val="200"/>
+                          <a:spcPts val="500"/>
                         </a:spcBef>
                         <a:spcAft>
-                          <a:spcPts val="200"/>
+                          <a:spcPts val="500"/>
                         </a:spcAft>
                         <a:buNone/>
                       </a:pPr>
                       <a:r>
                         <a:rPr sz="1100">
                           <a:solidFill>
-                            <a:srgbClr val="111111">
+                            <a:srgbClr val="000000">
                               <a:alpha val="100000"/>
                             </a:srgbClr>
                           </a:solidFill>
                           <a:latin typeface="Arial"/>
                           <a:cs typeface="Arial"/>
+                          <a:ea typeface="Arial"/>
+                          <a:sym typeface="Arial"/>
                         </a:rPr>
                         <a:t>Ouham Péndé</a:t>
                       </a:r>
@@ -6025,22 +6083,24 @@
                           <a:spcPct val="100000"/>
                         </a:lnSpc>
                         <a:spcBef>
-                          <a:spcPts val="200"/>
+                          <a:spcPts val="500"/>
                         </a:spcBef>
                         <a:spcAft>
-                          <a:spcPts val="200"/>
+                          <a:spcPts val="500"/>
                         </a:spcAft>
                         <a:buNone/>
                       </a:pPr>
                       <a:r>
                         <a:rPr sz="1100">
                           <a:solidFill>
-                            <a:srgbClr val="111111">
+                            <a:srgbClr val="000000">
                               <a:alpha val="100000"/>
                             </a:srgbClr>
                           </a:solidFill>
                           <a:latin typeface="Arial"/>
                           <a:cs typeface="Arial"/>
+                          <a:ea typeface="Arial"/>
+                          <a:sym typeface="Arial"/>
                         </a:rPr>
                         <a:t>4.1</a:t>
                       </a:r>
@@ -6091,22 +6151,24 @@
                           <a:spcPct val="100000"/>
                         </a:lnSpc>
                         <a:spcBef>
-                          <a:spcPts val="200"/>
+                          <a:spcPts val="500"/>
                         </a:spcBef>
                         <a:spcAft>
-                          <a:spcPts val="200"/>
+                          <a:spcPts val="500"/>
                         </a:spcAft>
                         <a:buNone/>
                       </a:pPr>
                       <a:r>
                         <a:rPr sz="1100">
                           <a:solidFill>
-                            <a:srgbClr val="111111">
+                            <a:srgbClr val="000000">
                               <a:alpha val="100000"/>
                             </a:srgbClr>
                           </a:solidFill>
                           <a:latin typeface="Arial"/>
                           <a:cs typeface="Arial"/>
+                          <a:ea typeface="Arial"/>
+                          <a:sym typeface="Arial"/>
                         </a:rPr>
                         <a:t>23.8</a:t>
                       </a:r>
@@ -6157,22 +6219,24 @@
                           <a:spcPct val="100000"/>
                         </a:lnSpc>
                         <a:spcBef>
-                          <a:spcPts val="200"/>
+                          <a:spcPts val="500"/>
                         </a:spcBef>
                         <a:spcAft>
-                          <a:spcPts val="200"/>
+                          <a:spcPts val="500"/>
                         </a:spcAft>
                         <a:buNone/>
                       </a:pPr>
                       <a:r>
                         <a:rPr sz="1100">
                           <a:solidFill>
-                            <a:srgbClr val="111111">
+                            <a:srgbClr val="000000">
                               <a:alpha val="100000"/>
                             </a:srgbClr>
                           </a:solidFill>
                           <a:latin typeface="Arial"/>
                           <a:cs typeface="Arial"/>
+                          <a:ea typeface="Arial"/>
+                          <a:sym typeface="Arial"/>
                         </a:rPr>
                         <a:t>72.1</a:t>
                       </a:r>
@@ -6214,7 +6278,7 @@
                   </a:tcPr>
                 </a:tc>
               </a:tr>
-              <a:tr h="262584">
+              <a:tr h="364184">
                 <a:tc>
                   <a:txBody>
                     <a:bodyPr/>
@@ -6225,22 +6289,24 @@
                           <a:spcPct val="100000"/>
                         </a:lnSpc>
                         <a:spcBef>
-                          <a:spcPts val="200"/>
+                          <a:spcPts val="500"/>
                         </a:spcBef>
                         <a:spcAft>
-                          <a:spcPts val="200"/>
+                          <a:spcPts val="500"/>
                         </a:spcAft>
                         <a:buNone/>
                       </a:pPr>
                       <a:r>
                         <a:rPr sz="1100">
                           <a:solidFill>
-                            <a:srgbClr val="111111">
+                            <a:srgbClr val="000000">
                               <a:alpha val="100000"/>
                             </a:srgbClr>
                           </a:solidFill>
                           <a:latin typeface="Arial"/>
                           <a:cs typeface="Arial"/>
+                          <a:ea typeface="Arial"/>
+                          <a:sym typeface="Arial"/>
                         </a:rPr>
                         <a:t>Nana Gribizi</a:t>
                       </a:r>
@@ -6291,22 +6357,24 @@
                           <a:spcPct val="100000"/>
                         </a:lnSpc>
                         <a:spcBef>
-                          <a:spcPts val="200"/>
+                          <a:spcPts val="500"/>
                         </a:spcBef>
                         <a:spcAft>
-                          <a:spcPts val="200"/>
+                          <a:spcPts val="500"/>
                         </a:spcAft>
                         <a:buNone/>
                       </a:pPr>
                       <a:r>
                         <a:rPr sz="1100">
                           <a:solidFill>
-                            <a:srgbClr val="111111">
+                            <a:srgbClr val="000000">
                               <a:alpha val="100000"/>
                             </a:srgbClr>
                           </a:solidFill>
                           <a:latin typeface="Arial"/>
                           <a:cs typeface="Arial"/>
+                          <a:ea typeface="Arial"/>
+                          <a:sym typeface="Arial"/>
                         </a:rPr>
                         <a:t>42.4</a:t>
                       </a:r>
@@ -6357,22 +6425,24 @@
                           <a:spcPct val="100000"/>
                         </a:lnSpc>
                         <a:spcBef>
-                          <a:spcPts val="200"/>
+                          <a:spcPts val="500"/>
                         </a:spcBef>
                         <a:spcAft>
-                          <a:spcPts val="200"/>
+                          <a:spcPts val="500"/>
                         </a:spcAft>
                         <a:buNone/>
                       </a:pPr>
                       <a:r>
                         <a:rPr sz="1100">
                           <a:solidFill>
-                            <a:srgbClr val="111111">
+                            <a:srgbClr val="000000">
                               <a:alpha val="100000"/>
                             </a:srgbClr>
                           </a:solidFill>
                           <a:latin typeface="Arial"/>
                           <a:cs typeface="Arial"/>
+                          <a:ea typeface="Arial"/>
+                          <a:sym typeface="Arial"/>
                         </a:rPr>
                         <a:t>39.2</a:t>
                       </a:r>
@@ -6423,22 +6493,24 @@
                           <a:spcPct val="100000"/>
                         </a:lnSpc>
                         <a:spcBef>
-                          <a:spcPts val="200"/>
+                          <a:spcPts val="500"/>
                         </a:spcBef>
                         <a:spcAft>
-                          <a:spcPts val="200"/>
+                          <a:spcPts val="500"/>
                         </a:spcAft>
                         <a:buNone/>
                       </a:pPr>
                       <a:r>
                         <a:rPr sz="1100">
                           <a:solidFill>
-                            <a:srgbClr val="111111">
+                            <a:srgbClr val="000000">
                               <a:alpha val="100000"/>
                             </a:srgbClr>
                           </a:solidFill>
                           <a:latin typeface="Arial"/>
                           <a:cs typeface="Arial"/>
+                          <a:ea typeface="Arial"/>
+                          <a:sym typeface="Arial"/>
                         </a:rPr>
                         <a:t>18.4</a:t>
                       </a:r>
@@ -6480,7 +6552,7 @@
                   </a:tcPr>
                 </a:tc>
               </a:tr>
-              <a:tr h="262652">
+              <a:tr h="364252">
                 <a:tc>
                   <a:txBody>
                     <a:bodyPr/>
@@ -6491,22 +6563,24 @@
                           <a:spcPct val="100000"/>
                         </a:lnSpc>
                         <a:spcBef>
-                          <a:spcPts val="200"/>
+                          <a:spcPts val="500"/>
                         </a:spcBef>
                         <a:spcAft>
-                          <a:spcPts val="200"/>
+                          <a:spcPts val="500"/>
                         </a:spcAft>
                         <a:buNone/>
                       </a:pPr>
                       <a:r>
                         <a:rPr sz="1100">
                           <a:solidFill>
-                            <a:srgbClr val="111111">
+                            <a:srgbClr val="000000">
                               <a:alpha val="100000"/>
                             </a:srgbClr>
                           </a:solidFill>
                           <a:latin typeface="Arial"/>
                           <a:cs typeface="Arial"/>
+                          <a:ea typeface="Arial"/>
+                          <a:sym typeface="Arial"/>
                         </a:rPr>
                         <a:t>Ouaka</a:t>
                       </a:r>
@@ -6557,22 +6631,24 @@
                           <a:spcPct val="100000"/>
                         </a:lnSpc>
                         <a:spcBef>
-                          <a:spcPts val="200"/>
+                          <a:spcPts val="500"/>
                         </a:spcBef>
                         <a:spcAft>
-                          <a:spcPts val="200"/>
+                          <a:spcPts val="500"/>
                         </a:spcAft>
                         <a:buNone/>
                       </a:pPr>
                       <a:r>
                         <a:rPr sz="1100">
                           <a:solidFill>
-                            <a:srgbClr val="111111">
+                            <a:srgbClr val="000000">
                               <a:alpha val="100000"/>
                             </a:srgbClr>
                           </a:solidFill>
                           <a:latin typeface="Arial"/>
                           <a:cs typeface="Arial"/>
+                          <a:ea typeface="Arial"/>
+                          <a:sym typeface="Arial"/>
                         </a:rPr>
                         <a:t>14.5</a:t>
                       </a:r>
@@ -6623,22 +6699,24 @@
                           <a:spcPct val="100000"/>
                         </a:lnSpc>
                         <a:spcBef>
-                          <a:spcPts val="200"/>
+                          <a:spcPts val="500"/>
                         </a:spcBef>
                         <a:spcAft>
-                          <a:spcPts val="200"/>
+                          <a:spcPts val="500"/>
                         </a:spcAft>
                         <a:buNone/>
                       </a:pPr>
                       <a:r>
                         <a:rPr sz="1100">
                           <a:solidFill>
-                            <a:srgbClr val="111111">
+                            <a:srgbClr val="000000">
                               <a:alpha val="100000"/>
                             </a:srgbClr>
                           </a:solidFill>
                           <a:latin typeface="Arial"/>
                           <a:cs typeface="Arial"/>
+                          <a:ea typeface="Arial"/>
+                          <a:sym typeface="Arial"/>
                         </a:rPr>
                         <a:t>38.7</a:t>
                       </a:r>
@@ -6689,22 +6767,24 @@
                           <a:spcPct val="100000"/>
                         </a:lnSpc>
                         <a:spcBef>
-                          <a:spcPts val="200"/>
+                          <a:spcPts val="500"/>
                         </a:spcBef>
                         <a:spcAft>
-                          <a:spcPts val="200"/>
+                          <a:spcPts val="500"/>
                         </a:spcAft>
                         <a:buNone/>
                       </a:pPr>
                       <a:r>
                         <a:rPr sz="1100">
                           <a:solidFill>
-                            <a:srgbClr val="111111">
+                            <a:srgbClr val="000000">
                               <a:alpha val="100000"/>
                             </a:srgbClr>
                           </a:solidFill>
                           <a:latin typeface="Arial"/>
                           <a:cs typeface="Arial"/>
+                          <a:ea typeface="Arial"/>
+                          <a:sym typeface="Arial"/>
                         </a:rPr>
                         <a:t>46.7</a:t>
                       </a:r>
@@ -6746,7 +6826,7 @@
                   </a:tcPr>
                 </a:tc>
               </a:tr>
-              <a:tr h="261356">
+              <a:tr h="362956">
                 <a:tc>
                   <a:txBody>
                     <a:bodyPr/>
@@ -6757,22 +6837,24 @@
                           <a:spcPct val="100000"/>
                         </a:lnSpc>
                         <a:spcBef>
-                          <a:spcPts val="200"/>
+                          <a:spcPts val="500"/>
                         </a:spcBef>
                         <a:spcAft>
-                          <a:spcPts val="200"/>
+                          <a:spcPts val="500"/>
                         </a:spcAft>
                         <a:buNone/>
                       </a:pPr>
                       <a:r>
                         <a:rPr sz="1100">
                           <a:solidFill>
-                            <a:srgbClr val="111111">
+                            <a:srgbClr val="000000">
                               <a:alpha val="100000"/>
                             </a:srgbClr>
                           </a:solidFill>
                           <a:latin typeface="Arial"/>
                           <a:cs typeface="Arial"/>
+                          <a:ea typeface="Arial"/>
+                          <a:sym typeface="Arial"/>
                         </a:rPr>
                         <a:t>Kémo</a:t>
                       </a:r>
@@ -6823,22 +6905,24 @@
                           <a:spcPct val="100000"/>
                         </a:lnSpc>
                         <a:spcBef>
-                          <a:spcPts val="200"/>
+                          <a:spcPts val="500"/>
                         </a:spcBef>
                         <a:spcAft>
-                          <a:spcPts val="200"/>
+                          <a:spcPts val="500"/>
                         </a:spcAft>
                         <a:buNone/>
                       </a:pPr>
                       <a:r>
                         <a:rPr sz="1100">
                           <a:solidFill>
-                            <a:srgbClr val="111111">
+                            <a:srgbClr val="000000">
                               <a:alpha val="100000"/>
                             </a:srgbClr>
                           </a:solidFill>
                           <a:latin typeface="Arial"/>
                           <a:cs typeface="Arial"/>
+                          <a:ea typeface="Arial"/>
+                          <a:sym typeface="Arial"/>
                         </a:rPr>
                         <a:t>6.7</a:t>
                       </a:r>
@@ -6889,22 +6973,24 @@
                           <a:spcPct val="100000"/>
                         </a:lnSpc>
                         <a:spcBef>
-                          <a:spcPts val="200"/>
+                          <a:spcPts val="500"/>
                         </a:spcBef>
                         <a:spcAft>
-                          <a:spcPts val="200"/>
+                          <a:spcPts val="500"/>
                         </a:spcAft>
                         <a:buNone/>
                       </a:pPr>
                       <a:r>
                         <a:rPr sz="1100">
                           <a:solidFill>
-                            <a:srgbClr val="111111">
+                            <a:srgbClr val="000000">
                               <a:alpha val="100000"/>
                             </a:srgbClr>
                           </a:solidFill>
                           <a:latin typeface="Arial"/>
                           <a:cs typeface="Arial"/>
+                          <a:ea typeface="Arial"/>
+                          <a:sym typeface="Arial"/>
                         </a:rPr>
                         <a:t>26.7</a:t>
                       </a:r>
@@ -6955,22 +7041,24 @@
                           <a:spcPct val="100000"/>
                         </a:lnSpc>
                         <a:spcBef>
-                          <a:spcPts val="200"/>
+                          <a:spcPts val="500"/>
                         </a:spcBef>
                         <a:spcAft>
-                          <a:spcPts val="200"/>
+                          <a:spcPts val="500"/>
                         </a:spcAft>
                         <a:buNone/>
                       </a:pPr>
                       <a:r>
                         <a:rPr sz="1100">
                           <a:solidFill>
-                            <a:srgbClr val="111111">
+                            <a:srgbClr val="000000">
                               <a:alpha val="100000"/>
                             </a:srgbClr>
                           </a:solidFill>
                           <a:latin typeface="Arial"/>
                           <a:cs typeface="Arial"/>
+                          <a:ea typeface="Arial"/>
+                          <a:sym typeface="Arial"/>
                         </a:rPr>
                         <a:t>66.7</a:t>
                       </a:r>
@@ -7012,7 +7100,7 @@
                   </a:tcPr>
                 </a:tc>
               </a:tr>
-              <a:tr h="288573">
+              <a:tr h="390173">
                 <a:tc>
                   <a:txBody>
                     <a:bodyPr/>
@@ -7023,22 +7111,24 @@
                           <a:spcPct val="100000"/>
                         </a:lnSpc>
                         <a:spcBef>
-                          <a:spcPts val="200"/>
+                          <a:spcPts val="500"/>
                         </a:spcBef>
                         <a:spcAft>
-                          <a:spcPts val="200"/>
+                          <a:spcPts val="500"/>
                         </a:spcAft>
                         <a:buNone/>
                       </a:pPr>
                       <a:r>
                         <a:rPr sz="1100">
                           <a:solidFill>
-                            <a:srgbClr val="111111">
+                            <a:srgbClr val="000000">
                               <a:alpha val="100000"/>
                             </a:srgbClr>
                           </a:solidFill>
                           <a:latin typeface="Arial"/>
                           <a:cs typeface="Arial"/>
+                          <a:ea typeface="Arial"/>
+                          <a:sym typeface="Arial"/>
                         </a:rPr>
                         <a:t>Bamingui-Bangoran</a:t>
                       </a:r>
@@ -7089,22 +7179,24 @@
                           <a:spcPct val="100000"/>
                         </a:lnSpc>
                         <a:spcBef>
-                          <a:spcPts val="200"/>
+                          <a:spcPts val="500"/>
                         </a:spcBef>
                         <a:spcAft>
-                          <a:spcPts val="200"/>
+                          <a:spcPts val="500"/>
                         </a:spcAft>
                         <a:buNone/>
                       </a:pPr>
                       <a:r>
                         <a:rPr sz="1100">
                           <a:solidFill>
-                            <a:srgbClr val="111111">
+                            <a:srgbClr val="000000">
                               <a:alpha val="100000"/>
                             </a:srgbClr>
                           </a:solidFill>
                           <a:latin typeface="Arial"/>
                           <a:cs typeface="Arial"/>
+                          <a:ea typeface="Arial"/>
+                          <a:sym typeface="Arial"/>
                         </a:rPr>
                         <a:t>5.2</a:t>
                       </a:r>
@@ -7155,22 +7247,24 @@
                           <a:spcPct val="100000"/>
                         </a:lnSpc>
                         <a:spcBef>
-                          <a:spcPts val="200"/>
+                          <a:spcPts val="500"/>
                         </a:spcBef>
                         <a:spcAft>
-                          <a:spcPts val="200"/>
+                          <a:spcPts val="500"/>
                         </a:spcAft>
                         <a:buNone/>
                       </a:pPr>
                       <a:r>
                         <a:rPr sz="1100">
                           <a:solidFill>
-                            <a:srgbClr val="111111">
+                            <a:srgbClr val="000000">
                               <a:alpha val="100000"/>
                             </a:srgbClr>
                           </a:solidFill>
                           <a:latin typeface="Arial"/>
                           <a:cs typeface="Arial"/>
+                          <a:ea typeface="Arial"/>
+                          <a:sym typeface="Arial"/>
                         </a:rPr>
                         <a:t>86.5</a:t>
                       </a:r>
@@ -7221,22 +7315,24 @@
                           <a:spcPct val="100000"/>
                         </a:lnSpc>
                         <a:spcBef>
-                          <a:spcPts val="200"/>
+                          <a:spcPts val="500"/>
                         </a:spcBef>
                         <a:spcAft>
-                          <a:spcPts val="200"/>
+                          <a:spcPts val="500"/>
                         </a:spcAft>
                         <a:buNone/>
                       </a:pPr>
                       <a:r>
                         <a:rPr sz="1100">
                           <a:solidFill>
-                            <a:srgbClr val="111111">
+                            <a:srgbClr val="000000">
                               <a:alpha val="100000"/>
                             </a:srgbClr>
                           </a:solidFill>
                           <a:latin typeface="Arial"/>
                           <a:cs typeface="Arial"/>
+                          <a:ea typeface="Arial"/>
+                          <a:sym typeface="Arial"/>
                         </a:rPr>
                         <a:t>8.3</a:t>
                       </a:r>
@@ -7278,7 +7374,7 @@
                   </a:tcPr>
                 </a:tc>
               </a:tr>
-              <a:tr h="261356">
+              <a:tr h="362956">
                 <a:tc>
                   <a:txBody>
                     <a:bodyPr/>
@@ -7289,22 +7385,24 @@
                           <a:spcPct val="100000"/>
                         </a:lnSpc>
                         <a:spcBef>
-                          <a:spcPts val="200"/>
+                          <a:spcPts val="500"/>
                         </a:spcBef>
                         <a:spcAft>
-                          <a:spcPts val="200"/>
+                          <a:spcPts val="500"/>
                         </a:spcAft>
                         <a:buNone/>
                       </a:pPr>
                       <a:r>
                         <a:rPr sz="1100">
                           <a:solidFill>
-                            <a:srgbClr val="111111">
+                            <a:srgbClr val="000000">
                               <a:alpha val="100000"/>
                             </a:srgbClr>
                           </a:solidFill>
                           <a:latin typeface="Arial"/>
                           <a:cs typeface="Arial"/>
+                          <a:ea typeface="Arial"/>
+                          <a:sym typeface="Arial"/>
                         </a:rPr>
                         <a:t>Haute-Kotto</a:t>
                       </a:r>
@@ -7355,22 +7453,24 @@
                           <a:spcPct val="100000"/>
                         </a:lnSpc>
                         <a:spcBef>
-                          <a:spcPts val="200"/>
+                          <a:spcPts val="500"/>
                         </a:spcBef>
                         <a:spcAft>
-                          <a:spcPts val="200"/>
+                          <a:spcPts val="500"/>
                         </a:spcAft>
                         <a:buNone/>
                       </a:pPr>
                       <a:r>
                         <a:rPr sz="1100">
                           <a:solidFill>
-                            <a:srgbClr val="111111">
+                            <a:srgbClr val="000000">
                               <a:alpha val="100000"/>
                             </a:srgbClr>
                           </a:solidFill>
                           <a:latin typeface="Arial"/>
                           <a:cs typeface="Arial"/>
+                          <a:ea typeface="Arial"/>
+                          <a:sym typeface="Arial"/>
                         </a:rPr>
                         <a:t>49.0</a:t>
                       </a:r>
@@ -7421,22 +7521,24 @@
                           <a:spcPct val="100000"/>
                         </a:lnSpc>
                         <a:spcBef>
-                          <a:spcPts val="200"/>
+                          <a:spcPts val="500"/>
                         </a:spcBef>
                         <a:spcAft>
-                          <a:spcPts val="200"/>
+                          <a:spcPts val="500"/>
                         </a:spcAft>
                         <a:buNone/>
                       </a:pPr>
                       <a:r>
                         <a:rPr sz="1100">
                           <a:solidFill>
-                            <a:srgbClr val="111111">
+                            <a:srgbClr val="000000">
                               <a:alpha val="100000"/>
                             </a:srgbClr>
                           </a:solidFill>
                           <a:latin typeface="Arial"/>
                           <a:cs typeface="Arial"/>
+                          <a:ea typeface="Arial"/>
+                          <a:sym typeface="Arial"/>
                         </a:rPr>
                         <a:t>21.0</a:t>
                       </a:r>
@@ -7487,22 +7589,24 @@
                           <a:spcPct val="100000"/>
                         </a:lnSpc>
                         <a:spcBef>
-                          <a:spcPts val="200"/>
+                          <a:spcPts val="500"/>
                         </a:spcBef>
                         <a:spcAft>
-                          <a:spcPts val="200"/>
+                          <a:spcPts val="500"/>
                         </a:spcAft>
                         <a:buNone/>
                       </a:pPr>
                       <a:r>
                         <a:rPr sz="1100">
                           <a:solidFill>
-                            <a:srgbClr val="111111">
+                            <a:srgbClr val="000000">
                               <a:alpha val="100000"/>
                             </a:srgbClr>
                           </a:solidFill>
                           <a:latin typeface="Arial"/>
                           <a:cs typeface="Arial"/>
+                          <a:ea typeface="Arial"/>
+                          <a:sym typeface="Arial"/>
                         </a:rPr>
                         <a:t>30.1</a:t>
                       </a:r>
@@ -7544,7 +7648,7 @@
                   </a:tcPr>
                 </a:tc>
               </a:tr>
-              <a:tr h="288573">
+              <a:tr h="390173">
                 <a:tc>
                   <a:txBody>
                     <a:bodyPr/>
@@ -7555,22 +7659,24 @@
                           <a:spcPct val="100000"/>
                         </a:lnSpc>
                         <a:spcBef>
-                          <a:spcPts val="200"/>
+                          <a:spcPts val="500"/>
                         </a:spcBef>
                         <a:spcAft>
-                          <a:spcPts val="200"/>
+                          <a:spcPts val="500"/>
                         </a:spcAft>
                         <a:buNone/>
                       </a:pPr>
                       <a:r>
                         <a:rPr sz="1100">
                           <a:solidFill>
-                            <a:srgbClr val="111111">
+                            <a:srgbClr val="000000">
                               <a:alpha val="100000"/>
                             </a:srgbClr>
                           </a:solidFill>
                           <a:latin typeface="Arial"/>
                           <a:cs typeface="Arial"/>
+                          <a:ea typeface="Arial"/>
+                          <a:sym typeface="Arial"/>
                         </a:rPr>
                         <a:t>Vakaga</a:t>
                       </a:r>
@@ -7621,22 +7727,24 @@
                           <a:spcPct val="100000"/>
                         </a:lnSpc>
                         <a:spcBef>
-                          <a:spcPts val="200"/>
+                          <a:spcPts val="500"/>
                         </a:spcBef>
                         <a:spcAft>
-                          <a:spcPts val="200"/>
+                          <a:spcPts val="500"/>
                         </a:spcAft>
                         <a:buNone/>
                       </a:pPr>
                       <a:r>
                         <a:rPr sz="1100">
                           <a:solidFill>
-                            <a:srgbClr val="111111">
+                            <a:srgbClr val="000000">
                               <a:alpha val="100000"/>
                             </a:srgbClr>
                           </a:solidFill>
                           <a:latin typeface="Arial"/>
                           <a:cs typeface="Arial"/>
+                          <a:ea typeface="Arial"/>
+                          <a:sym typeface="Arial"/>
                         </a:rPr>
                         <a:t>22.5</a:t>
                       </a:r>
@@ -7687,22 +7795,24 @@
                           <a:spcPct val="100000"/>
                         </a:lnSpc>
                         <a:spcBef>
-                          <a:spcPts val="200"/>
+                          <a:spcPts val="500"/>
                         </a:spcBef>
                         <a:spcAft>
-                          <a:spcPts val="200"/>
+                          <a:spcPts val="500"/>
                         </a:spcAft>
                         <a:buNone/>
                       </a:pPr>
                       <a:r>
                         <a:rPr sz="1100">
                           <a:solidFill>
-                            <a:srgbClr val="111111">
+                            <a:srgbClr val="000000">
                               <a:alpha val="100000"/>
                             </a:srgbClr>
                           </a:solidFill>
                           <a:latin typeface="Arial"/>
                           <a:cs typeface="Arial"/>
+                          <a:ea typeface="Arial"/>
+                          <a:sym typeface="Arial"/>
                         </a:rPr>
                         <a:t>72.2</a:t>
                       </a:r>
@@ -7753,22 +7863,24 @@
                           <a:spcPct val="100000"/>
                         </a:lnSpc>
                         <a:spcBef>
-                          <a:spcPts val="200"/>
+                          <a:spcPts val="500"/>
                         </a:spcBef>
                         <a:spcAft>
-                          <a:spcPts val="200"/>
+                          <a:spcPts val="500"/>
                         </a:spcAft>
                         <a:buNone/>
                       </a:pPr>
                       <a:r>
                         <a:rPr sz="1100">
                           <a:solidFill>
-                            <a:srgbClr val="111111">
+                            <a:srgbClr val="000000">
                               <a:alpha val="100000"/>
                             </a:srgbClr>
                           </a:solidFill>
                           <a:latin typeface="Arial"/>
                           <a:cs typeface="Arial"/>
+                          <a:ea typeface="Arial"/>
+                          <a:sym typeface="Arial"/>
                         </a:rPr>
                         <a:t>5.3</a:t>
                       </a:r>
@@ -7810,7 +7922,7 @@
                   </a:tcPr>
                 </a:tc>
               </a:tr>
-              <a:tr h="261356">
+              <a:tr h="362956">
                 <a:tc>
                   <a:txBody>
                     <a:bodyPr/>
@@ -7821,22 +7933,24 @@
                           <a:spcPct val="100000"/>
                         </a:lnSpc>
                         <a:spcBef>
-                          <a:spcPts val="200"/>
+                          <a:spcPts val="500"/>
                         </a:spcBef>
                         <a:spcAft>
-                          <a:spcPts val="200"/>
+                          <a:spcPts val="500"/>
                         </a:spcAft>
                         <a:buNone/>
                       </a:pPr>
                       <a:r>
                         <a:rPr sz="1100">
                           <a:solidFill>
-                            <a:srgbClr val="111111">
+                            <a:srgbClr val="000000">
                               <a:alpha val="100000"/>
                             </a:srgbClr>
                           </a:solidFill>
                           <a:latin typeface="Arial"/>
                           <a:cs typeface="Arial"/>
+                          <a:ea typeface="Arial"/>
+                          <a:sym typeface="Arial"/>
                         </a:rPr>
                         <a:t>Basse-Kotto</a:t>
                       </a:r>
@@ -7887,22 +8001,24 @@
                           <a:spcPct val="100000"/>
                         </a:lnSpc>
                         <a:spcBef>
-                          <a:spcPts val="200"/>
+                          <a:spcPts val="500"/>
                         </a:spcBef>
                         <a:spcAft>
-                          <a:spcPts val="200"/>
+                          <a:spcPts val="500"/>
                         </a:spcAft>
                         <a:buNone/>
                       </a:pPr>
                       <a:r>
                         <a:rPr sz="1100">
                           <a:solidFill>
-                            <a:srgbClr val="111111">
+                            <a:srgbClr val="000000">
                               <a:alpha val="100000"/>
                             </a:srgbClr>
                           </a:solidFill>
                           <a:latin typeface="Arial"/>
                           <a:cs typeface="Arial"/>
+                          <a:ea typeface="Arial"/>
+                          <a:sym typeface="Arial"/>
                         </a:rPr>
                         <a:t>28.3</a:t>
                       </a:r>
@@ -7953,22 +8069,24 @@
                           <a:spcPct val="100000"/>
                         </a:lnSpc>
                         <a:spcBef>
-                          <a:spcPts val="200"/>
+                          <a:spcPts val="500"/>
                         </a:spcBef>
                         <a:spcAft>
-                          <a:spcPts val="200"/>
+                          <a:spcPts val="500"/>
                         </a:spcAft>
                         <a:buNone/>
                       </a:pPr>
                       <a:r>
                         <a:rPr sz="1100">
                           <a:solidFill>
-                            <a:srgbClr val="111111">
+                            <a:srgbClr val="000000">
                               <a:alpha val="100000"/>
                             </a:srgbClr>
                           </a:solidFill>
                           <a:latin typeface="Arial"/>
                           <a:cs typeface="Arial"/>
+                          <a:ea typeface="Arial"/>
+                          <a:sym typeface="Arial"/>
                         </a:rPr>
                         <a:t>36.5</a:t>
                       </a:r>
@@ -8019,22 +8137,24 @@
                           <a:spcPct val="100000"/>
                         </a:lnSpc>
                         <a:spcBef>
-                          <a:spcPts val="200"/>
+                          <a:spcPts val="500"/>
                         </a:spcBef>
                         <a:spcAft>
-                          <a:spcPts val="200"/>
+                          <a:spcPts val="500"/>
                         </a:spcAft>
                         <a:buNone/>
                       </a:pPr>
                       <a:r>
                         <a:rPr sz="1100">
                           <a:solidFill>
-                            <a:srgbClr val="111111">
+                            <a:srgbClr val="000000">
                               <a:alpha val="100000"/>
                             </a:srgbClr>
                           </a:solidFill>
                           <a:latin typeface="Arial"/>
                           <a:cs typeface="Arial"/>
+                          <a:ea typeface="Arial"/>
+                          <a:sym typeface="Arial"/>
                         </a:rPr>
                         <a:t>35.2</a:t>
                       </a:r>
@@ -8076,7 +8196,7 @@
                   </a:tcPr>
                 </a:tc>
               </a:tr>
-              <a:tr h="261356">
+              <a:tr h="362956">
                 <a:tc>
                   <a:txBody>
                     <a:bodyPr/>
@@ -8087,22 +8207,24 @@
                           <a:spcPct val="100000"/>
                         </a:lnSpc>
                         <a:spcBef>
-                          <a:spcPts val="200"/>
+                          <a:spcPts val="500"/>
                         </a:spcBef>
                         <a:spcAft>
-                          <a:spcPts val="200"/>
+                          <a:spcPts val="500"/>
                         </a:spcAft>
                         <a:buNone/>
                       </a:pPr>
                       <a:r>
                         <a:rPr sz="1100">
                           <a:solidFill>
-                            <a:srgbClr val="111111">
+                            <a:srgbClr val="000000">
                               <a:alpha val="100000"/>
                             </a:srgbClr>
                           </a:solidFill>
                           <a:latin typeface="Arial"/>
                           <a:cs typeface="Arial"/>
+                          <a:ea typeface="Arial"/>
+                          <a:sym typeface="Arial"/>
                         </a:rPr>
                         <a:t>Mbomou</a:t>
                       </a:r>
@@ -8153,22 +8275,24 @@
                           <a:spcPct val="100000"/>
                         </a:lnSpc>
                         <a:spcBef>
-                          <a:spcPts val="200"/>
+                          <a:spcPts val="500"/>
                         </a:spcBef>
                         <a:spcAft>
-                          <a:spcPts val="200"/>
+                          <a:spcPts val="500"/>
                         </a:spcAft>
                         <a:buNone/>
                       </a:pPr>
                       <a:r>
                         <a:rPr sz="1100">
                           <a:solidFill>
-                            <a:srgbClr val="111111">
+                            <a:srgbClr val="000000">
                               <a:alpha val="100000"/>
                             </a:srgbClr>
                           </a:solidFill>
                           <a:latin typeface="Arial"/>
                           <a:cs typeface="Arial"/>
+                          <a:ea typeface="Arial"/>
+                          <a:sym typeface="Arial"/>
                         </a:rPr>
                         <a:t>58.4</a:t>
                       </a:r>
@@ -8219,22 +8343,24 @@
                           <a:spcPct val="100000"/>
                         </a:lnSpc>
                         <a:spcBef>
-                          <a:spcPts val="200"/>
+                          <a:spcPts val="500"/>
                         </a:spcBef>
                         <a:spcAft>
-                          <a:spcPts val="200"/>
+                          <a:spcPts val="500"/>
                         </a:spcAft>
                         <a:buNone/>
                       </a:pPr>
                       <a:r>
                         <a:rPr sz="1100">
                           <a:solidFill>
-                            <a:srgbClr val="111111">
+                            <a:srgbClr val="000000">
                               <a:alpha val="100000"/>
                             </a:srgbClr>
                           </a:solidFill>
                           <a:latin typeface="Arial"/>
                           <a:cs typeface="Arial"/>
+                          <a:ea typeface="Arial"/>
+                          <a:sym typeface="Arial"/>
                         </a:rPr>
                         <a:t>37.0</a:t>
                       </a:r>
@@ -8285,22 +8411,24 @@
                           <a:spcPct val="100000"/>
                         </a:lnSpc>
                         <a:spcBef>
-                          <a:spcPts val="200"/>
+                          <a:spcPts val="500"/>
                         </a:spcBef>
                         <a:spcAft>
-                          <a:spcPts val="200"/>
+                          <a:spcPts val="500"/>
                         </a:spcAft>
                         <a:buNone/>
                       </a:pPr>
                       <a:r>
                         <a:rPr sz="1100">
                           <a:solidFill>
-                            <a:srgbClr val="111111">
+                            <a:srgbClr val="000000">
                               <a:alpha val="100000"/>
                             </a:srgbClr>
                           </a:solidFill>
                           <a:latin typeface="Arial"/>
                           <a:cs typeface="Arial"/>
+                          <a:ea typeface="Arial"/>
+                          <a:sym typeface="Arial"/>
                         </a:rPr>
                         <a:t>4.6</a:t>
                       </a:r>
@@ -8342,7 +8470,7 @@
                   </a:tcPr>
                 </a:tc>
               </a:tr>
-              <a:tr h="261356">
+              <a:tr h="362956">
                 <a:tc>
                   <a:txBody>
                     <a:bodyPr/>
@@ -8353,22 +8481,24 @@
                           <a:spcPct val="100000"/>
                         </a:lnSpc>
                         <a:spcBef>
-                          <a:spcPts val="200"/>
+                          <a:spcPts val="500"/>
                         </a:spcBef>
                         <a:spcAft>
-                          <a:spcPts val="200"/>
+                          <a:spcPts val="500"/>
                         </a:spcAft>
                         <a:buNone/>
                       </a:pPr>
                       <a:r>
                         <a:rPr sz="1100">
                           <a:solidFill>
-                            <a:srgbClr val="111111">
+                            <a:srgbClr val="000000">
                               <a:alpha val="100000"/>
                             </a:srgbClr>
                           </a:solidFill>
                           <a:latin typeface="Arial"/>
                           <a:cs typeface="Arial"/>
+                          <a:ea typeface="Arial"/>
+                          <a:sym typeface="Arial"/>
                         </a:rPr>
                         <a:t>Haut Mbomou</a:t>
                       </a:r>
@@ -8419,22 +8549,24 @@
                           <a:spcPct val="100000"/>
                         </a:lnSpc>
                         <a:spcBef>
-                          <a:spcPts val="200"/>
+                          <a:spcPts val="500"/>
                         </a:spcBef>
                         <a:spcAft>
-                          <a:spcPts val="200"/>
+                          <a:spcPts val="500"/>
                         </a:spcAft>
                         <a:buNone/>
                       </a:pPr>
                       <a:r>
                         <a:rPr sz="1100">
                           <a:solidFill>
-                            <a:srgbClr val="111111">
+                            <a:srgbClr val="000000">
                               <a:alpha val="100000"/>
                             </a:srgbClr>
                           </a:solidFill>
                           <a:latin typeface="Arial"/>
                           <a:cs typeface="Arial"/>
+                          <a:ea typeface="Arial"/>
+                          <a:sym typeface="Arial"/>
                         </a:rPr>
                         <a:t>27.8</a:t>
                       </a:r>
@@ -8485,22 +8617,24 @@
                           <a:spcPct val="100000"/>
                         </a:lnSpc>
                         <a:spcBef>
-                          <a:spcPts val="200"/>
+                          <a:spcPts val="500"/>
                         </a:spcBef>
                         <a:spcAft>
-                          <a:spcPts val="200"/>
+                          <a:spcPts val="500"/>
                         </a:spcAft>
                         <a:buNone/>
                       </a:pPr>
                       <a:r>
                         <a:rPr sz="1100">
                           <a:solidFill>
-                            <a:srgbClr val="111111">
+                            <a:srgbClr val="000000">
                               <a:alpha val="100000"/>
                             </a:srgbClr>
                           </a:solidFill>
                           <a:latin typeface="Arial"/>
                           <a:cs typeface="Arial"/>
+                          <a:ea typeface="Arial"/>
+                          <a:sym typeface="Arial"/>
                         </a:rPr>
                         <a:t>48.6</a:t>
                       </a:r>
@@ -8551,22 +8685,24 @@
                           <a:spcPct val="100000"/>
                         </a:lnSpc>
                         <a:spcBef>
-                          <a:spcPts val="200"/>
+                          <a:spcPts val="500"/>
                         </a:spcBef>
                         <a:spcAft>
-                          <a:spcPts val="200"/>
+                          <a:spcPts val="500"/>
                         </a:spcAft>
                         <a:buNone/>
                       </a:pPr>
                       <a:r>
                         <a:rPr sz="1100">
                           <a:solidFill>
-                            <a:srgbClr val="111111">
+                            <a:srgbClr val="000000">
                               <a:alpha val="100000"/>
                             </a:srgbClr>
                           </a:solidFill>
                           <a:latin typeface="Arial"/>
                           <a:cs typeface="Arial"/>
+                          <a:ea typeface="Arial"/>
+                          <a:sym typeface="Arial"/>
                         </a:rPr>
                         <a:t>23.6</a:t>
                       </a:r>
@@ -8608,7 +8744,7 @@
                   </a:tcPr>
                 </a:tc>
               </a:tr>
-              <a:tr h="288573">
+              <a:tr h="390173">
                 <a:tc>
                   <a:txBody>
                     <a:bodyPr/>
@@ -8619,22 +8755,24 @@
                           <a:spcPct val="100000"/>
                         </a:lnSpc>
                         <a:spcBef>
-                          <a:spcPts val="200"/>
+                          <a:spcPts val="500"/>
                         </a:spcBef>
                         <a:spcAft>
-                          <a:spcPts val="200"/>
+                          <a:spcPts val="500"/>
                         </a:spcAft>
                         <a:buNone/>
                       </a:pPr>
                       <a:r>
                         <a:rPr sz="1100">
                           <a:solidFill>
-                            <a:srgbClr val="111111">
+                            <a:srgbClr val="000000">
                               <a:alpha val="100000"/>
                             </a:srgbClr>
                           </a:solidFill>
                           <a:latin typeface="Arial"/>
                           <a:cs typeface="Arial"/>
+                          <a:ea typeface="Arial"/>
+                          <a:sym typeface="Arial"/>
                         </a:rPr>
                         <a:t>Bangui</a:t>
                       </a:r>
@@ -8667,7 +8805,7 @@
                     </a:lnT>
                     <a:lnB w="25400" cmpd="sng" algn="ctr" cap="flat">
                       <a:solidFill>
-                        <a:srgbClr val="000000">
+                        <a:srgbClr val="666666">
                           <a:alpha val="100000"/>
                         </a:srgbClr>
                       </a:solidFill>
@@ -8685,22 +8823,24 @@
                           <a:spcPct val="100000"/>
                         </a:lnSpc>
                         <a:spcBef>
-                          <a:spcPts val="200"/>
+                          <a:spcPts val="500"/>
                         </a:spcBef>
                         <a:spcAft>
-                          <a:spcPts val="200"/>
+                          <a:spcPts val="500"/>
                         </a:spcAft>
                         <a:buNone/>
                       </a:pPr>
                       <a:r>
                         <a:rPr sz="1100">
                           <a:solidFill>
-                            <a:srgbClr val="111111">
+                            <a:srgbClr val="000000">
                               <a:alpha val="100000"/>
                             </a:srgbClr>
                           </a:solidFill>
                           <a:latin typeface="Arial"/>
                           <a:cs typeface="Arial"/>
+                          <a:ea typeface="Arial"/>
+                          <a:sym typeface="Arial"/>
                         </a:rPr>
                         <a:t>4.9</a:t>
                       </a:r>
@@ -8733,7 +8873,7 @@
                     </a:lnT>
                     <a:lnB w="25400" cmpd="sng" algn="ctr" cap="flat">
                       <a:solidFill>
-                        <a:srgbClr val="000000">
+                        <a:srgbClr val="666666">
                           <a:alpha val="100000"/>
                         </a:srgbClr>
                       </a:solidFill>
@@ -8751,22 +8891,24 @@
                           <a:spcPct val="100000"/>
                         </a:lnSpc>
                         <a:spcBef>
-                          <a:spcPts val="200"/>
+                          <a:spcPts val="500"/>
                         </a:spcBef>
                         <a:spcAft>
-                          <a:spcPts val="200"/>
+                          <a:spcPts val="500"/>
                         </a:spcAft>
                         <a:buNone/>
                       </a:pPr>
                       <a:r>
                         <a:rPr sz="1100">
                           <a:solidFill>
-                            <a:srgbClr val="111111">
+                            <a:srgbClr val="000000">
                               <a:alpha val="100000"/>
                             </a:srgbClr>
                           </a:solidFill>
                           <a:latin typeface="Arial"/>
                           <a:cs typeface="Arial"/>
+                          <a:ea typeface="Arial"/>
+                          <a:sym typeface="Arial"/>
                         </a:rPr>
                         <a:t>21.6</a:t>
                       </a:r>
@@ -8799,7 +8941,7 @@
                     </a:lnT>
                     <a:lnB w="25400" cmpd="sng" algn="ctr" cap="flat">
                       <a:solidFill>
-                        <a:srgbClr val="000000">
+                        <a:srgbClr val="666666">
                           <a:alpha val="100000"/>
                         </a:srgbClr>
                       </a:solidFill>
@@ -8817,22 +8959,24 @@
                           <a:spcPct val="100000"/>
                         </a:lnSpc>
                         <a:spcBef>
-                          <a:spcPts val="200"/>
+                          <a:spcPts val="500"/>
                         </a:spcBef>
                         <a:spcAft>
-                          <a:spcPts val="200"/>
+                          <a:spcPts val="500"/>
                         </a:spcAft>
                         <a:buNone/>
                       </a:pPr>
                       <a:r>
                         <a:rPr sz="1100">
                           <a:solidFill>
-                            <a:srgbClr val="111111">
+                            <a:srgbClr val="000000">
                               <a:alpha val="100000"/>
                             </a:srgbClr>
                           </a:solidFill>
                           <a:latin typeface="Arial"/>
                           <a:cs typeface="Arial"/>
+                          <a:ea typeface="Arial"/>
+                          <a:sym typeface="Arial"/>
                         </a:rPr>
                         <a:t>73.5</a:t>
                       </a:r>
@@ -8865,7 +9009,7 @@
                     </a:lnT>
                     <a:lnB w="25400" cmpd="sng" algn="ctr" cap="flat">
                       <a:solidFill>
-                        <a:srgbClr val="000000">
+                        <a:srgbClr val="666666">
                           <a:alpha val="100000"/>
                         </a:srgbClr>
                       </a:solidFill>
